--- a/ch06_patterns/figures/discovery/Patterns.pptx
+++ b/ch06_patterns/figures/discovery/Patterns.pptx
@@ -105,6 +105,22 @@
       </a:defRPr>
     </a:lvl9pPr>
   </p:defaultTextStyle>
+  <p:extLst>
+    <p:ext uri="{EFAFB233-063F-42B5-8137-9DF3F51BA10A}">
+      <p15:sldGuideLst xmlns:p15="http://schemas.microsoft.com/office/powerpoint/2012/main">
+        <p15:guide id="1" orient="horz" pos="3020">
+          <p15:clr>
+            <a:srgbClr val="A4A3A4"/>
+          </p15:clr>
+        </p15:guide>
+        <p15:guide id="2" pos="2490">
+          <p15:clr>
+            <a:srgbClr val="A4A3A4"/>
+          </p15:clr>
+        </p15:guide>
+      </p15:sldGuideLst>
+    </p:ext>
+  </p:extLst>
 </p:presentation>
 </file>
 
@@ -289,7 +305,7 @@
           <a:p>
             <a:fld id="{8245250B-FF5D-9B4C-ADC7-4346F67EE51B}" type="datetimeFigureOut">
               <a:rPr lang="en-US" smtClean="0"/>
-              <a:t>9/25/14</a:t>
+              <a:t>9/27/16</a:t>
             </a:fld>
             <a:endParaRPr lang="en-US"/>
           </a:p>
@@ -459,7 +475,7 @@
           <a:p>
             <a:fld id="{8245250B-FF5D-9B4C-ADC7-4346F67EE51B}" type="datetimeFigureOut">
               <a:rPr lang="en-US" smtClean="0"/>
-              <a:t>9/25/14</a:t>
+              <a:t>9/27/16</a:t>
             </a:fld>
             <a:endParaRPr lang="en-US"/>
           </a:p>
@@ -639,7 +655,7 @@
           <a:p>
             <a:fld id="{8245250B-FF5D-9B4C-ADC7-4346F67EE51B}" type="datetimeFigureOut">
               <a:rPr lang="en-US" smtClean="0"/>
-              <a:t>9/25/14</a:t>
+              <a:t>9/27/16</a:t>
             </a:fld>
             <a:endParaRPr lang="en-US"/>
           </a:p>
@@ -809,7 +825,7 @@
           <a:p>
             <a:fld id="{8245250B-FF5D-9B4C-ADC7-4346F67EE51B}" type="datetimeFigureOut">
               <a:rPr lang="en-US" smtClean="0"/>
-              <a:t>9/25/14</a:t>
+              <a:t>9/27/16</a:t>
             </a:fld>
             <a:endParaRPr lang="en-US"/>
           </a:p>
@@ -1055,7 +1071,7 @@
           <a:p>
             <a:fld id="{8245250B-FF5D-9B4C-ADC7-4346F67EE51B}" type="datetimeFigureOut">
               <a:rPr lang="en-US" smtClean="0"/>
-              <a:t>9/25/14</a:t>
+              <a:t>9/27/16</a:t>
             </a:fld>
             <a:endParaRPr lang="en-US"/>
           </a:p>
@@ -1343,7 +1359,7 @@
           <a:p>
             <a:fld id="{8245250B-FF5D-9B4C-ADC7-4346F67EE51B}" type="datetimeFigureOut">
               <a:rPr lang="en-US" smtClean="0"/>
-              <a:t>9/25/14</a:t>
+              <a:t>9/27/16</a:t>
             </a:fld>
             <a:endParaRPr lang="en-US"/>
           </a:p>
@@ -1765,7 +1781,7 @@
           <a:p>
             <a:fld id="{8245250B-FF5D-9B4C-ADC7-4346F67EE51B}" type="datetimeFigureOut">
               <a:rPr lang="en-US" smtClean="0"/>
-              <a:t>9/25/14</a:t>
+              <a:t>9/27/16</a:t>
             </a:fld>
             <a:endParaRPr lang="en-US"/>
           </a:p>
@@ -1883,7 +1899,7 @@
           <a:p>
             <a:fld id="{8245250B-FF5D-9B4C-ADC7-4346F67EE51B}" type="datetimeFigureOut">
               <a:rPr lang="en-US" smtClean="0"/>
-              <a:t>9/25/14</a:t>
+              <a:t>9/27/16</a:t>
             </a:fld>
             <a:endParaRPr lang="en-US"/>
           </a:p>
@@ -1978,7 +1994,7 @@
           <a:p>
             <a:fld id="{8245250B-FF5D-9B4C-ADC7-4346F67EE51B}" type="datetimeFigureOut">
               <a:rPr lang="en-US" smtClean="0"/>
-              <a:t>9/25/14</a:t>
+              <a:t>9/27/16</a:t>
             </a:fld>
             <a:endParaRPr lang="en-US"/>
           </a:p>
@@ -2255,7 +2271,7 @@
           <a:p>
             <a:fld id="{8245250B-FF5D-9B4C-ADC7-4346F67EE51B}" type="datetimeFigureOut">
               <a:rPr lang="en-US" smtClean="0"/>
-              <a:t>9/25/14</a:t>
+              <a:t>9/27/16</a:t>
             </a:fld>
             <a:endParaRPr lang="en-US"/>
           </a:p>
@@ -2508,7 +2524,7 @@
           <a:p>
             <a:fld id="{8245250B-FF5D-9B4C-ADC7-4346F67EE51B}" type="datetimeFigureOut">
               <a:rPr lang="en-US" smtClean="0"/>
-              <a:t>9/25/14</a:t>
+              <a:t>9/27/16</a:t>
             </a:fld>
             <a:endParaRPr lang="en-US"/>
           </a:p>
@@ -2721,7 +2737,7 @@
           <a:p>
             <a:fld id="{8245250B-FF5D-9B4C-ADC7-4346F67EE51B}" type="datetimeFigureOut">
               <a:rPr lang="en-US" smtClean="0"/>
-              <a:t>9/25/14</a:t>
+              <a:t>9/27/16</a:t>
             </a:fld>
             <a:endParaRPr lang="en-US"/>
           </a:p>
@@ -3220,8 +3236,8 @@
         </p:nvSpPr>
         <p:spPr>
           <a:xfrm>
-            <a:off x="3163765" y="2851301"/>
-            <a:ext cx="494833" cy="369332"/>
+            <a:off x="1296865" y="1935688"/>
+            <a:ext cx="494833" cy="307777"/>
           </a:xfrm>
           <a:prstGeom prst="rect">
             <a:avLst/>
@@ -3235,13 +3251,13 @@
           <a:lstStyle/>
           <a:p>
             <a:r>
-              <a:rPr lang="en-US" dirty="0" smtClean="0">
+              <a:rPr lang="en-US" sz="1400" dirty="0" smtClean="0">
                 <a:latin typeface="Times New Roman"/>
                 <a:cs typeface="Times New Roman"/>
               </a:rPr>
               <a:t>(a)</a:t>
             </a:r>
-            <a:endParaRPr lang="en-US" dirty="0">
+            <a:endParaRPr lang="en-US" sz="1400" dirty="0">
               <a:latin typeface="Times New Roman"/>
               <a:cs typeface="Times New Roman"/>
             </a:endParaRPr>
@@ -3256,8 +3272,8 @@
         </p:nvSpPr>
         <p:spPr>
           <a:xfrm>
-            <a:off x="5834048" y="2844867"/>
-            <a:ext cx="494833" cy="369332"/>
+            <a:off x="3952875" y="1935687"/>
+            <a:ext cx="494833" cy="307777"/>
           </a:xfrm>
           <a:prstGeom prst="rect">
             <a:avLst/>
@@ -3271,13 +3287,13 @@
           <a:lstStyle/>
           <a:p>
             <a:r>
-              <a:rPr lang="en-US" dirty="0" smtClean="0">
+              <a:rPr lang="en-US" sz="1400" dirty="0" smtClean="0">
                 <a:latin typeface="Times New Roman"/>
                 <a:cs typeface="Times New Roman"/>
               </a:rPr>
               <a:t>(b)</a:t>
             </a:r>
-            <a:endParaRPr lang="en-US" dirty="0">
+            <a:endParaRPr lang="en-US" sz="1400" dirty="0">
               <a:latin typeface="Times New Roman"/>
               <a:cs typeface="Times New Roman"/>
             </a:endParaRPr>
@@ -3292,8 +3308,8 @@
         </p:nvSpPr>
         <p:spPr>
           <a:xfrm>
-            <a:off x="3172777" y="4412415"/>
-            <a:ext cx="494833" cy="369332"/>
+            <a:off x="1296379" y="3491605"/>
+            <a:ext cx="494833" cy="307777"/>
           </a:xfrm>
           <a:prstGeom prst="rect">
             <a:avLst/>
@@ -3307,13 +3323,13 @@
           <a:lstStyle/>
           <a:p>
             <a:r>
-              <a:rPr lang="en-US" dirty="0" smtClean="0">
+              <a:rPr lang="en-US" sz="1400" dirty="0" smtClean="0">
                 <a:latin typeface="Times New Roman"/>
                 <a:cs typeface="Times New Roman"/>
               </a:rPr>
               <a:t>(c)</a:t>
             </a:r>
-            <a:endParaRPr lang="en-US" dirty="0">
+            <a:endParaRPr lang="en-US" sz="1400" dirty="0">
               <a:latin typeface="Times New Roman"/>
               <a:cs typeface="Times New Roman"/>
             </a:endParaRPr>
@@ -3357,8 +3373,8 @@
         </p:nvSpPr>
         <p:spPr>
           <a:xfrm>
-            <a:off x="5845388" y="4435095"/>
-            <a:ext cx="494833" cy="369332"/>
+            <a:off x="3952875" y="3491605"/>
+            <a:ext cx="494833" cy="307777"/>
           </a:xfrm>
           <a:prstGeom prst="rect">
             <a:avLst/>
@@ -3372,13 +3388,13 @@
           <a:lstStyle/>
           <a:p>
             <a:r>
-              <a:rPr lang="en-US" dirty="0" smtClean="0">
+              <a:rPr lang="en-US" sz="1400" dirty="0" smtClean="0">
                 <a:latin typeface="Times New Roman"/>
                 <a:cs typeface="Times New Roman"/>
               </a:rPr>
               <a:t>(d)</a:t>
             </a:r>
-            <a:endParaRPr lang="en-US" dirty="0">
+            <a:endParaRPr lang="en-US" sz="1400" dirty="0">
               <a:latin typeface="Times New Roman"/>
               <a:cs typeface="Times New Roman"/>
             </a:endParaRPr>
@@ -3422,8 +3438,8 @@
         </p:nvSpPr>
         <p:spPr>
           <a:xfrm>
-            <a:off x="3154153" y="5783446"/>
-            <a:ext cx="494833" cy="369332"/>
+            <a:off x="1291539" y="5023722"/>
+            <a:ext cx="494833" cy="307777"/>
           </a:xfrm>
           <a:prstGeom prst="rect">
             <a:avLst/>
@@ -3437,13 +3453,13 @@
           <a:lstStyle/>
           <a:p>
             <a:r>
-              <a:rPr lang="en-US" dirty="0" smtClean="0">
+              <a:rPr lang="en-US" sz="1400" dirty="0" smtClean="0">
                 <a:latin typeface="Times New Roman"/>
                 <a:cs typeface="Times New Roman"/>
               </a:rPr>
               <a:t>(e)</a:t>
             </a:r>
-            <a:endParaRPr lang="en-US" dirty="0">
+            <a:endParaRPr lang="en-US" sz="1400" dirty="0">
               <a:latin typeface="Times New Roman"/>
               <a:cs typeface="Times New Roman"/>
             </a:endParaRPr>
@@ -3458,8 +3474,8 @@
         </p:nvSpPr>
         <p:spPr>
           <a:xfrm>
-            <a:off x="5869432" y="5796274"/>
-            <a:ext cx="494833" cy="369332"/>
+            <a:off x="3949902" y="5046694"/>
+            <a:ext cx="494833" cy="307777"/>
           </a:xfrm>
           <a:prstGeom prst="rect">
             <a:avLst/>
@@ -3473,13 +3489,13 @@
           <a:lstStyle/>
           <a:p>
             <a:r>
-              <a:rPr lang="en-US" dirty="0" smtClean="0">
+              <a:rPr lang="en-US" sz="1400" dirty="0" smtClean="0">
                 <a:latin typeface="Times New Roman"/>
                 <a:cs typeface="Times New Roman"/>
               </a:rPr>
               <a:t>(f)</a:t>
             </a:r>
-            <a:endParaRPr lang="en-US" dirty="0">
+            <a:endParaRPr lang="en-US" sz="1400" dirty="0">
               <a:latin typeface="Times New Roman"/>
               <a:cs typeface="Times New Roman"/>
             </a:endParaRPr>
